--- a/Update Nico.pptx
+++ b/Update Nico.pptx
@@ -11,6 +11,7 @@
     <p:sldId id="259" r:id="rId5"/>
     <p:sldId id="262" r:id="rId6"/>
     <p:sldId id="261" r:id="rId7"/>
+    <p:sldId id="263" r:id="rId8"/>
   </p:sldIdLst>
   <p:sldSz cx="12192000" cy="6858000"/>
   <p:notesSz cx="6858000" cy="9144000"/>
@@ -266,7 +267,7 @@
           <a:p>
             <a:fld id="{095752B1-FC9A-D942-A52A-1C8FD95D4902}" type="datetimeFigureOut">
               <a:rPr lang="en-DE" smtClean="0"/>
-              <a:t>26.04.22</a:t>
+              <a:t>02.05.22</a:t>
             </a:fld>
             <a:endParaRPr lang="en-DE"/>
           </a:p>
@@ -466,7 +467,7 @@
           <a:p>
             <a:fld id="{095752B1-FC9A-D942-A52A-1C8FD95D4902}" type="datetimeFigureOut">
               <a:rPr lang="en-DE" smtClean="0"/>
-              <a:t>26.04.22</a:t>
+              <a:t>02.05.22</a:t>
             </a:fld>
             <a:endParaRPr lang="en-DE"/>
           </a:p>
@@ -676,7 +677,7 @@
           <a:p>
             <a:fld id="{095752B1-FC9A-D942-A52A-1C8FD95D4902}" type="datetimeFigureOut">
               <a:rPr lang="en-DE" smtClean="0"/>
-              <a:t>26.04.22</a:t>
+              <a:t>02.05.22</a:t>
             </a:fld>
             <a:endParaRPr lang="en-DE"/>
           </a:p>
@@ -876,7 +877,7 @@
           <a:p>
             <a:fld id="{095752B1-FC9A-D942-A52A-1C8FD95D4902}" type="datetimeFigureOut">
               <a:rPr lang="en-DE" smtClean="0"/>
-              <a:t>26.04.22</a:t>
+              <a:t>02.05.22</a:t>
             </a:fld>
             <a:endParaRPr lang="en-DE"/>
           </a:p>
@@ -1152,7 +1153,7 @@
           <a:p>
             <a:fld id="{095752B1-FC9A-D942-A52A-1C8FD95D4902}" type="datetimeFigureOut">
               <a:rPr lang="en-DE" smtClean="0"/>
-              <a:t>26.04.22</a:t>
+              <a:t>02.05.22</a:t>
             </a:fld>
             <a:endParaRPr lang="en-DE"/>
           </a:p>
@@ -1420,7 +1421,7 @@
           <a:p>
             <a:fld id="{095752B1-FC9A-D942-A52A-1C8FD95D4902}" type="datetimeFigureOut">
               <a:rPr lang="en-DE" smtClean="0"/>
-              <a:t>26.04.22</a:t>
+              <a:t>02.05.22</a:t>
             </a:fld>
             <a:endParaRPr lang="en-DE"/>
           </a:p>
@@ -1835,7 +1836,7 @@
           <a:p>
             <a:fld id="{095752B1-FC9A-D942-A52A-1C8FD95D4902}" type="datetimeFigureOut">
               <a:rPr lang="en-DE" smtClean="0"/>
-              <a:t>26.04.22</a:t>
+              <a:t>02.05.22</a:t>
             </a:fld>
             <a:endParaRPr lang="en-DE"/>
           </a:p>
@@ -1977,7 +1978,7 @@
           <a:p>
             <a:fld id="{095752B1-FC9A-D942-A52A-1C8FD95D4902}" type="datetimeFigureOut">
               <a:rPr lang="en-DE" smtClean="0"/>
-              <a:t>26.04.22</a:t>
+              <a:t>02.05.22</a:t>
             </a:fld>
             <a:endParaRPr lang="en-DE"/>
           </a:p>
@@ -2090,7 +2091,7 @@
           <a:p>
             <a:fld id="{095752B1-FC9A-D942-A52A-1C8FD95D4902}" type="datetimeFigureOut">
               <a:rPr lang="en-DE" smtClean="0"/>
-              <a:t>26.04.22</a:t>
+              <a:t>02.05.22</a:t>
             </a:fld>
             <a:endParaRPr lang="en-DE"/>
           </a:p>
@@ -2403,7 +2404,7 @@
           <a:p>
             <a:fld id="{095752B1-FC9A-D942-A52A-1C8FD95D4902}" type="datetimeFigureOut">
               <a:rPr lang="en-DE" smtClean="0"/>
-              <a:t>26.04.22</a:t>
+              <a:t>02.05.22</a:t>
             </a:fld>
             <a:endParaRPr lang="en-DE"/>
           </a:p>
@@ -2692,7 +2693,7 @@
           <a:p>
             <a:fld id="{095752B1-FC9A-D942-A52A-1C8FD95D4902}" type="datetimeFigureOut">
               <a:rPr lang="en-DE" smtClean="0"/>
-              <a:t>26.04.22</a:t>
+              <a:t>02.05.22</a:t>
             </a:fld>
             <a:endParaRPr lang="en-DE"/>
           </a:p>
@@ -2935,7 +2936,7 @@
           <a:p>
             <a:fld id="{095752B1-FC9A-D942-A52A-1C8FD95D4902}" type="datetimeFigureOut">
               <a:rPr lang="en-DE" smtClean="0"/>
-              <a:t>26.04.22</a:t>
+              <a:t>02.05.22</a:t>
             </a:fld>
             <a:endParaRPr lang="en-DE"/>
           </a:p>
@@ -3380,7 +3381,7 @@
           <a:graphicData uri="http://schemas.openxmlformats.org/presentationml/2006/ole">
             <mc:AlternateContent xmlns:mc="http://schemas.openxmlformats.org/markup-compatibility/2006">
               <mc:Choice xmlns:v="urn:schemas-microsoft-com:vml" Requires="v">
-                <p:oleObj spid="_x0000_s1034" name="Document" r:id="rId3" imgW="8864600" imgH="2451100" progId="Word.Document.12">
+                <p:oleObj spid="_x0000_s1035" name="Document" r:id="rId3" imgW="8864600" imgH="2451100" progId="Word.Document.12">
                   <p:embed/>
                 </p:oleObj>
               </mc:Choice>
@@ -3473,7 +3474,7 @@
           <a:graphicData uri="http://schemas.openxmlformats.org/presentationml/2006/ole">
             <mc:AlternateContent xmlns:mc="http://schemas.openxmlformats.org/markup-compatibility/2006">
               <mc:Choice xmlns:v="urn:schemas-microsoft-com:vml" Requires="v">
-                <p:oleObj spid="_x0000_s2057" name="Document" r:id="rId3" imgW="8864600" imgH="2108200" progId="Word.Document.12">
+                <p:oleObj spid="_x0000_s2058" name="Document" r:id="rId3" imgW="8864600" imgH="2108200" progId="Word.Document.12">
                   <p:embed/>
                 </p:oleObj>
               </mc:Choice>
@@ -3566,7 +3567,7 @@
           <a:graphicData uri="http://schemas.openxmlformats.org/presentationml/2006/ole">
             <mc:AlternateContent xmlns:mc="http://schemas.openxmlformats.org/markup-compatibility/2006">
               <mc:Choice xmlns:v="urn:schemas-microsoft-com:vml" Requires="v">
-                <p:oleObj spid="_x0000_s4105" name="Document" r:id="rId3" imgW="8864600" imgH="2451100" progId="Word.Document.12">
+                <p:oleObj spid="_x0000_s4106" name="Document" r:id="rId3" imgW="8864600" imgH="2451100" progId="Word.Document.12">
                   <p:embed/>
                 </p:oleObj>
               </mc:Choice>
@@ -3659,7 +3660,7 @@
           <a:graphicData uri="http://schemas.openxmlformats.org/presentationml/2006/ole">
             <mc:AlternateContent xmlns:mc="http://schemas.openxmlformats.org/markup-compatibility/2006">
               <mc:Choice xmlns:v="urn:schemas-microsoft-com:vml" Requires="v">
-                <p:oleObj spid="_x0000_s6153" name="Document" r:id="rId3" imgW="8864600" imgH="2654300" progId="Word.Document.12">
+                <p:oleObj spid="_x0000_s6154" name="Document" r:id="rId3" imgW="8864600" imgH="2654300" progId="Word.Document.12">
                   <p:embed/>
                 </p:oleObj>
               </mc:Choice>
@@ -3752,7 +3753,7 @@
           <a:graphicData uri="http://schemas.openxmlformats.org/presentationml/2006/ole">
             <mc:AlternateContent xmlns:mc="http://schemas.openxmlformats.org/markup-compatibility/2006">
               <mc:Choice xmlns:v="urn:schemas-microsoft-com:vml" Requires="v">
-                <p:oleObj spid="_x0000_s8196" name="Document" r:id="rId3" imgW="8864600" imgH="2603500" progId="Word.Document.12">
+                <p:oleObj spid="_x0000_s8197" name="Document" r:id="rId3" imgW="8864600" imgH="2603500" progId="Word.Document.12">
                   <p:embed/>
                 </p:oleObj>
               </mc:Choice>
@@ -3851,7 +3852,7 @@
           <a:graphicData uri="http://schemas.openxmlformats.org/presentationml/2006/ole">
             <mc:AlternateContent xmlns:mc="http://schemas.openxmlformats.org/markup-compatibility/2006">
               <mc:Choice xmlns:v="urn:schemas-microsoft-com:vml" Requires="v">
-                <p:oleObj spid="_x0000_s7174" name="Document" r:id="rId3" imgW="8864600" imgH="2844800" progId="Word.Document.12">
+                <p:oleObj spid="_x0000_s7175" name="Document" r:id="rId3" imgW="8864600" imgH="2844800" progId="Word.Document.12">
                   <p:embed/>
                 </p:oleObj>
               </mc:Choice>
@@ -3896,6 +3897,105 @@
     <p:extLst>
       <p:ext uri="{BB962C8B-B14F-4D97-AF65-F5344CB8AC3E}">
         <p14:creationId xmlns:p14="http://schemas.microsoft.com/office/powerpoint/2010/main" val="2755188735"/>
+      </p:ext>
+    </p:extLst>
+  </p:cSld>
+  <p:clrMapOvr>
+    <a:masterClrMapping/>
+  </p:clrMapOvr>
+</p:sld>
+</file>
+
+<file path=ppt/slides/slide7.xml><?xml version="1.0" encoding="utf-8"?>
+<p:sld xmlns:a="http://schemas.openxmlformats.org/drawingml/2006/main" xmlns:r="http://schemas.openxmlformats.org/officeDocument/2006/relationships" xmlns:p="http://schemas.openxmlformats.org/presentationml/2006/main">
+  <p:cSld>
+    <p:spTree>
+      <p:nvGrpSpPr>
+        <p:cNvPr id="1" name=""/>
+        <p:cNvGrpSpPr/>
+        <p:nvPr/>
+      </p:nvGrpSpPr>
+      <p:grpSpPr>
+        <a:xfrm>
+          <a:off x="0" y="0"/>
+          <a:ext cx="0" cy="0"/>
+          <a:chOff x="0" y="0"/>
+          <a:chExt cx="0" cy="0"/>
+        </a:xfrm>
+      </p:grpSpPr>
+      <p:graphicFrame>
+        <p:nvGraphicFramePr>
+          <p:cNvPr id="12" name="Object 11">
+            <a:extLst>
+              <a:ext uri="{FF2B5EF4-FFF2-40B4-BE49-F238E27FC236}">
+                <a16:creationId xmlns:a16="http://schemas.microsoft.com/office/drawing/2014/main" id="{93EA3D56-403E-A54A-9C6A-AE384B2E378E}"/>
+              </a:ext>
+            </a:extLst>
+          </p:cNvPr>
+          <p:cNvGraphicFramePr>
+            <a:graphicFrameLocks noChangeAspect="1"/>
+          </p:cNvGraphicFramePr>
+          <p:nvPr>
+            <p:extLst>
+              <p:ext uri="{D42A27DB-BD31-4B8C-83A1-F6EECF244321}">
+                <p14:modId xmlns:p14="http://schemas.microsoft.com/office/powerpoint/2010/main" val="1669093324"/>
+              </p:ext>
+            </p:extLst>
+          </p:nvPr>
+        </p:nvGraphicFramePr>
+        <p:xfrm>
+          <a:off x="1663700" y="2540000"/>
+          <a:ext cx="8864600" cy="1778000"/>
+        </p:xfrm>
+        <a:graphic>
+          <a:graphicData uri="http://schemas.openxmlformats.org/presentationml/2006/ole">
+            <mc:AlternateContent xmlns:mc="http://schemas.openxmlformats.org/markup-compatibility/2006">
+              <mc:Choice xmlns:v="urn:schemas-microsoft-com:vml" Requires="v">
+                <p:oleObj spid="_x0000_s10241" name="Document" r:id="rId3" imgW="8864600" imgH="1778000" progId="Word.Document.12">
+                  <p:embed/>
+                </p:oleObj>
+              </mc:Choice>
+              <mc:Fallback>
+                <p:oleObj name="Document" r:id="rId3" imgW="8864600" imgH="1778000" progId="Word.Document.12">
+                  <p:embed/>
+                  <p:pic>
+                    <p:nvPicPr>
+                      <p:cNvPr id="12" name="Object 11">
+                        <a:extLst>
+                          <a:ext uri="{FF2B5EF4-FFF2-40B4-BE49-F238E27FC236}">
+                            <a16:creationId xmlns:a16="http://schemas.microsoft.com/office/drawing/2014/main" id="{93EA3D56-403E-A54A-9C6A-AE384B2E378E}"/>
+                          </a:ext>
+                        </a:extLst>
+                      </p:cNvPr>
+                      <p:cNvPicPr/>
+                      <p:nvPr/>
+                    </p:nvPicPr>
+                    <p:blipFill>
+                      <a:blip r:embed="rId4"/>
+                      <a:stretch>
+                        <a:fillRect/>
+                      </a:stretch>
+                    </p:blipFill>
+                    <p:spPr>
+                      <a:xfrm>
+                        <a:off x="1663700" y="2540000"/>
+                        <a:ext cx="8864600" cy="1778000"/>
+                      </a:xfrm>
+                      <a:prstGeom prst="rect">
+                        <a:avLst/>
+                      </a:prstGeom>
+                    </p:spPr>
+                  </p:pic>
+                </p:oleObj>
+              </mc:Fallback>
+            </mc:AlternateContent>
+          </a:graphicData>
+        </a:graphic>
+      </p:graphicFrame>
+    </p:spTree>
+    <p:extLst>
+      <p:ext uri="{BB962C8B-B14F-4D97-AF65-F5344CB8AC3E}">
+        <p14:creationId xmlns:p14="http://schemas.microsoft.com/office/powerpoint/2010/main" val="2255870199"/>
       </p:ext>
     </p:extLst>
   </p:cSld>

--- a/Update Nico.pptx
+++ b/Update Nico.pptx
@@ -267,7 +267,7 @@
           <a:p>
             <a:fld id="{095752B1-FC9A-D942-A52A-1C8FD95D4902}" type="datetimeFigureOut">
               <a:rPr lang="en-DE" smtClean="0"/>
-              <a:t>02.05.22</a:t>
+              <a:t>10.05.22</a:t>
             </a:fld>
             <a:endParaRPr lang="en-DE"/>
           </a:p>
@@ -467,7 +467,7 @@
           <a:p>
             <a:fld id="{095752B1-FC9A-D942-A52A-1C8FD95D4902}" type="datetimeFigureOut">
               <a:rPr lang="en-DE" smtClean="0"/>
-              <a:t>02.05.22</a:t>
+              <a:t>10.05.22</a:t>
             </a:fld>
             <a:endParaRPr lang="en-DE"/>
           </a:p>
@@ -677,7 +677,7 @@
           <a:p>
             <a:fld id="{095752B1-FC9A-D942-A52A-1C8FD95D4902}" type="datetimeFigureOut">
               <a:rPr lang="en-DE" smtClean="0"/>
-              <a:t>02.05.22</a:t>
+              <a:t>10.05.22</a:t>
             </a:fld>
             <a:endParaRPr lang="en-DE"/>
           </a:p>
@@ -877,7 +877,7 @@
           <a:p>
             <a:fld id="{095752B1-FC9A-D942-A52A-1C8FD95D4902}" type="datetimeFigureOut">
               <a:rPr lang="en-DE" smtClean="0"/>
-              <a:t>02.05.22</a:t>
+              <a:t>10.05.22</a:t>
             </a:fld>
             <a:endParaRPr lang="en-DE"/>
           </a:p>
@@ -1153,7 +1153,7 @@
           <a:p>
             <a:fld id="{095752B1-FC9A-D942-A52A-1C8FD95D4902}" type="datetimeFigureOut">
               <a:rPr lang="en-DE" smtClean="0"/>
-              <a:t>02.05.22</a:t>
+              <a:t>10.05.22</a:t>
             </a:fld>
             <a:endParaRPr lang="en-DE"/>
           </a:p>
@@ -1421,7 +1421,7 @@
           <a:p>
             <a:fld id="{095752B1-FC9A-D942-A52A-1C8FD95D4902}" type="datetimeFigureOut">
               <a:rPr lang="en-DE" smtClean="0"/>
-              <a:t>02.05.22</a:t>
+              <a:t>10.05.22</a:t>
             </a:fld>
             <a:endParaRPr lang="en-DE"/>
           </a:p>
@@ -1836,7 +1836,7 @@
           <a:p>
             <a:fld id="{095752B1-FC9A-D942-A52A-1C8FD95D4902}" type="datetimeFigureOut">
               <a:rPr lang="en-DE" smtClean="0"/>
-              <a:t>02.05.22</a:t>
+              <a:t>10.05.22</a:t>
             </a:fld>
             <a:endParaRPr lang="en-DE"/>
           </a:p>
@@ -1978,7 +1978,7 @@
           <a:p>
             <a:fld id="{095752B1-FC9A-D942-A52A-1C8FD95D4902}" type="datetimeFigureOut">
               <a:rPr lang="en-DE" smtClean="0"/>
-              <a:t>02.05.22</a:t>
+              <a:t>10.05.22</a:t>
             </a:fld>
             <a:endParaRPr lang="en-DE"/>
           </a:p>
@@ -2091,7 +2091,7 @@
           <a:p>
             <a:fld id="{095752B1-FC9A-D942-A52A-1C8FD95D4902}" type="datetimeFigureOut">
               <a:rPr lang="en-DE" smtClean="0"/>
-              <a:t>02.05.22</a:t>
+              <a:t>10.05.22</a:t>
             </a:fld>
             <a:endParaRPr lang="en-DE"/>
           </a:p>
@@ -2404,7 +2404,7 @@
           <a:p>
             <a:fld id="{095752B1-FC9A-D942-A52A-1C8FD95D4902}" type="datetimeFigureOut">
               <a:rPr lang="en-DE" smtClean="0"/>
-              <a:t>02.05.22</a:t>
+              <a:t>10.05.22</a:t>
             </a:fld>
             <a:endParaRPr lang="en-DE"/>
           </a:p>
@@ -2693,7 +2693,7 @@
           <a:p>
             <a:fld id="{095752B1-FC9A-D942-A52A-1C8FD95D4902}" type="datetimeFigureOut">
               <a:rPr lang="en-DE" smtClean="0"/>
-              <a:t>02.05.22</a:t>
+              <a:t>10.05.22</a:t>
             </a:fld>
             <a:endParaRPr lang="en-DE"/>
           </a:p>
@@ -2936,7 +2936,7 @@
           <a:p>
             <a:fld id="{095752B1-FC9A-D942-A52A-1C8FD95D4902}" type="datetimeFigureOut">
               <a:rPr lang="en-DE" smtClean="0"/>
-              <a:t>02.05.22</a:t>
+              <a:t>10.05.22</a:t>
             </a:fld>
             <a:endParaRPr lang="en-DE"/>
           </a:p>
@@ -3381,7 +3381,7 @@
           <a:graphicData uri="http://schemas.openxmlformats.org/presentationml/2006/ole">
             <mc:AlternateContent xmlns:mc="http://schemas.openxmlformats.org/markup-compatibility/2006">
               <mc:Choice xmlns:v="urn:schemas-microsoft-com:vml" Requires="v">
-                <p:oleObj spid="_x0000_s1035" name="Document" r:id="rId3" imgW="8864600" imgH="2451100" progId="Word.Document.12">
+                <p:oleObj spid="_x0000_s1036" name="Document" r:id="rId3" imgW="8864600" imgH="2451100" progId="Word.Document.12">
                   <p:embed/>
                 </p:oleObj>
               </mc:Choice>
@@ -3474,7 +3474,7 @@
           <a:graphicData uri="http://schemas.openxmlformats.org/presentationml/2006/ole">
             <mc:AlternateContent xmlns:mc="http://schemas.openxmlformats.org/markup-compatibility/2006">
               <mc:Choice xmlns:v="urn:schemas-microsoft-com:vml" Requires="v">
-                <p:oleObj spid="_x0000_s2058" name="Document" r:id="rId3" imgW="8864600" imgH="2108200" progId="Word.Document.12">
+                <p:oleObj spid="_x0000_s2059" name="Document" r:id="rId3" imgW="8864600" imgH="2108200" progId="Word.Document.12">
                   <p:embed/>
                 </p:oleObj>
               </mc:Choice>
@@ -3567,7 +3567,7 @@
           <a:graphicData uri="http://schemas.openxmlformats.org/presentationml/2006/ole">
             <mc:AlternateContent xmlns:mc="http://schemas.openxmlformats.org/markup-compatibility/2006">
               <mc:Choice xmlns:v="urn:schemas-microsoft-com:vml" Requires="v">
-                <p:oleObj spid="_x0000_s4106" name="Document" r:id="rId3" imgW="8864600" imgH="2451100" progId="Word.Document.12">
+                <p:oleObj spid="_x0000_s4107" name="Document" r:id="rId3" imgW="8864600" imgH="2451100" progId="Word.Document.12">
                   <p:embed/>
                 </p:oleObj>
               </mc:Choice>
@@ -3660,7 +3660,7 @@
           <a:graphicData uri="http://schemas.openxmlformats.org/presentationml/2006/ole">
             <mc:AlternateContent xmlns:mc="http://schemas.openxmlformats.org/markup-compatibility/2006">
               <mc:Choice xmlns:v="urn:schemas-microsoft-com:vml" Requires="v">
-                <p:oleObj spid="_x0000_s6154" name="Document" r:id="rId3" imgW="8864600" imgH="2654300" progId="Word.Document.12">
+                <p:oleObj spid="_x0000_s6155" name="Document" r:id="rId3" imgW="8864600" imgH="2654300" progId="Word.Document.12">
                   <p:embed/>
                 </p:oleObj>
               </mc:Choice>
@@ -3740,25 +3740,25 @@
           <p:nvPr>
             <p:extLst>
               <p:ext uri="{D42A27DB-BD31-4B8C-83A1-F6EECF244321}">
-                <p14:modId xmlns:p14="http://schemas.microsoft.com/office/powerpoint/2010/main" val="2704464674"/>
+                <p14:modId xmlns:p14="http://schemas.microsoft.com/office/powerpoint/2010/main" val="2875103407"/>
               </p:ext>
             </p:extLst>
           </p:nvPr>
         </p:nvGraphicFramePr>
         <p:xfrm>
-          <a:off x="1663700" y="2127250"/>
-          <a:ext cx="8864600" cy="2603500"/>
+          <a:off x="1663700" y="1847850"/>
+          <a:ext cx="8864600" cy="3162300"/>
         </p:xfrm>
         <a:graphic>
           <a:graphicData uri="http://schemas.openxmlformats.org/presentationml/2006/ole">
             <mc:AlternateContent xmlns:mc="http://schemas.openxmlformats.org/markup-compatibility/2006">
               <mc:Choice xmlns:v="urn:schemas-microsoft-com:vml" Requires="v">
-                <p:oleObj spid="_x0000_s8197" name="Document" r:id="rId3" imgW="8864600" imgH="2603500" progId="Word.Document.12">
+                <p:oleObj spid="_x0000_s8198" name="Document" r:id="rId3" imgW="8864600" imgH="3162300" progId="Word.Document.12">
                   <p:embed/>
                 </p:oleObj>
               </mc:Choice>
               <mc:Fallback>
-                <p:oleObj name="Document" r:id="rId3" imgW="8864600" imgH="2603500" progId="Word.Document.12">
+                <p:oleObj name="Document" r:id="rId3" imgW="8864600" imgH="3162300" progId="Word.Document.12">
                   <p:embed/>
                   <p:pic>
                     <p:nvPicPr>
@@ -3780,8 +3780,8 @@
                     </p:blipFill>
                     <p:spPr>
                       <a:xfrm>
-                        <a:off x="1663700" y="2127250"/>
-                        <a:ext cx="8864600" cy="2603500"/>
+                        <a:off x="1663700" y="1847850"/>
+                        <a:ext cx="8864600" cy="3162300"/>
                       </a:xfrm>
                       <a:prstGeom prst="rect">
                         <a:avLst/>
@@ -3852,7 +3852,7 @@
           <a:graphicData uri="http://schemas.openxmlformats.org/presentationml/2006/ole">
             <mc:AlternateContent xmlns:mc="http://schemas.openxmlformats.org/markup-compatibility/2006">
               <mc:Choice xmlns:v="urn:schemas-microsoft-com:vml" Requires="v">
-                <p:oleObj spid="_x0000_s7175" name="Document" r:id="rId3" imgW="8864600" imgH="2844800" progId="Word.Document.12">
+                <p:oleObj spid="_x0000_s7176" name="Document" r:id="rId3" imgW="8864600" imgH="2844800" progId="Word.Document.12">
                   <p:embed/>
                 </p:oleObj>
               </mc:Choice>
@@ -3951,7 +3951,7 @@
           <a:graphicData uri="http://schemas.openxmlformats.org/presentationml/2006/ole">
             <mc:AlternateContent xmlns:mc="http://schemas.openxmlformats.org/markup-compatibility/2006">
               <mc:Choice xmlns:v="urn:schemas-microsoft-com:vml" Requires="v">
-                <p:oleObj spid="_x0000_s10241" name="Document" r:id="rId3" imgW="8864600" imgH="1778000" progId="Word.Document.12">
+                <p:oleObj spid="_x0000_s10242" name="Document" r:id="rId3" imgW="8864600" imgH="1778000" progId="Word.Document.12">
                   <p:embed/>
                 </p:oleObj>
               </mc:Choice>

--- a/Update Nico.pptx
+++ b/Update Nico.pptx
@@ -267,7 +267,7 @@
           <a:p>
             <a:fld id="{095752B1-FC9A-D942-A52A-1C8FD95D4902}" type="datetimeFigureOut">
               <a:rPr lang="en-DE" smtClean="0"/>
-              <a:t>10.05.22</a:t>
+              <a:t>11.05.22</a:t>
             </a:fld>
             <a:endParaRPr lang="en-DE"/>
           </a:p>
@@ -467,7 +467,7 @@
           <a:p>
             <a:fld id="{095752B1-FC9A-D942-A52A-1C8FD95D4902}" type="datetimeFigureOut">
               <a:rPr lang="en-DE" smtClean="0"/>
-              <a:t>10.05.22</a:t>
+              <a:t>11.05.22</a:t>
             </a:fld>
             <a:endParaRPr lang="en-DE"/>
           </a:p>
@@ -677,7 +677,7 @@
           <a:p>
             <a:fld id="{095752B1-FC9A-D942-A52A-1C8FD95D4902}" type="datetimeFigureOut">
               <a:rPr lang="en-DE" smtClean="0"/>
-              <a:t>10.05.22</a:t>
+              <a:t>11.05.22</a:t>
             </a:fld>
             <a:endParaRPr lang="en-DE"/>
           </a:p>
@@ -877,7 +877,7 @@
           <a:p>
             <a:fld id="{095752B1-FC9A-D942-A52A-1C8FD95D4902}" type="datetimeFigureOut">
               <a:rPr lang="en-DE" smtClean="0"/>
-              <a:t>10.05.22</a:t>
+              <a:t>11.05.22</a:t>
             </a:fld>
             <a:endParaRPr lang="en-DE"/>
           </a:p>
@@ -1153,7 +1153,7 @@
           <a:p>
             <a:fld id="{095752B1-FC9A-D942-A52A-1C8FD95D4902}" type="datetimeFigureOut">
               <a:rPr lang="en-DE" smtClean="0"/>
-              <a:t>10.05.22</a:t>
+              <a:t>11.05.22</a:t>
             </a:fld>
             <a:endParaRPr lang="en-DE"/>
           </a:p>
@@ -1421,7 +1421,7 @@
           <a:p>
             <a:fld id="{095752B1-FC9A-D942-A52A-1C8FD95D4902}" type="datetimeFigureOut">
               <a:rPr lang="en-DE" smtClean="0"/>
-              <a:t>10.05.22</a:t>
+              <a:t>11.05.22</a:t>
             </a:fld>
             <a:endParaRPr lang="en-DE"/>
           </a:p>
@@ -1836,7 +1836,7 @@
           <a:p>
             <a:fld id="{095752B1-FC9A-D942-A52A-1C8FD95D4902}" type="datetimeFigureOut">
               <a:rPr lang="en-DE" smtClean="0"/>
-              <a:t>10.05.22</a:t>
+              <a:t>11.05.22</a:t>
             </a:fld>
             <a:endParaRPr lang="en-DE"/>
           </a:p>
@@ -1978,7 +1978,7 @@
           <a:p>
             <a:fld id="{095752B1-FC9A-D942-A52A-1C8FD95D4902}" type="datetimeFigureOut">
               <a:rPr lang="en-DE" smtClean="0"/>
-              <a:t>10.05.22</a:t>
+              <a:t>11.05.22</a:t>
             </a:fld>
             <a:endParaRPr lang="en-DE"/>
           </a:p>
@@ -2091,7 +2091,7 @@
           <a:p>
             <a:fld id="{095752B1-FC9A-D942-A52A-1C8FD95D4902}" type="datetimeFigureOut">
               <a:rPr lang="en-DE" smtClean="0"/>
-              <a:t>10.05.22</a:t>
+              <a:t>11.05.22</a:t>
             </a:fld>
             <a:endParaRPr lang="en-DE"/>
           </a:p>
@@ -2404,7 +2404,7 @@
           <a:p>
             <a:fld id="{095752B1-FC9A-D942-A52A-1C8FD95D4902}" type="datetimeFigureOut">
               <a:rPr lang="en-DE" smtClean="0"/>
-              <a:t>10.05.22</a:t>
+              <a:t>11.05.22</a:t>
             </a:fld>
             <a:endParaRPr lang="en-DE"/>
           </a:p>
@@ -2693,7 +2693,7 @@
           <a:p>
             <a:fld id="{095752B1-FC9A-D942-A52A-1C8FD95D4902}" type="datetimeFigureOut">
               <a:rPr lang="en-DE" smtClean="0"/>
-              <a:t>10.05.22</a:t>
+              <a:t>11.05.22</a:t>
             </a:fld>
             <a:endParaRPr lang="en-DE"/>
           </a:p>
@@ -2936,7 +2936,7 @@
           <a:p>
             <a:fld id="{095752B1-FC9A-D942-A52A-1C8FD95D4902}" type="datetimeFigureOut">
               <a:rPr lang="en-DE" smtClean="0"/>
-              <a:t>10.05.22</a:t>
+              <a:t>11.05.22</a:t>
             </a:fld>
             <a:endParaRPr lang="en-DE"/>
           </a:p>
@@ -3381,12 +3381,12 @@
           <a:graphicData uri="http://schemas.openxmlformats.org/presentationml/2006/ole">
             <mc:AlternateContent xmlns:mc="http://schemas.openxmlformats.org/markup-compatibility/2006">
               <mc:Choice xmlns:v="urn:schemas-microsoft-com:vml" Requires="v">
-                <p:oleObj spid="_x0000_s1036" name="Document" r:id="rId3" imgW="8864600" imgH="2451100" progId="Word.Document.12">
+                <p:oleObj name="Document" r:id="rId2" imgW="8864600" imgH="2451100" progId="Word.Document.12">
                   <p:embed/>
                 </p:oleObj>
               </mc:Choice>
               <mc:Fallback>
-                <p:oleObj name="Document" r:id="rId3" imgW="8864600" imgH="2451100" progId="Word.Document.12">
+                <p:oleObj name="Document" r:id="rId2" imgW="8864600" imgH="2451100" progId="Word.Document.12">
                   <p:embed/>
                   <p:pic>
                     <p:nvPicPr>
@@ -3395,7 +3395,7 @@
                       <p:nvPr/>
                     </p:nvPicPr>
                     <p:blipFill>
-                      <a:blip r:embed="rId4"/>
+                      <a:blip r:embed="rId3"/>
                       <a:stretch>
                         <a:fillRect/>
                       </a:stretch>
@@ -3474,12 +3474,12 @@
           <a:graphicData uri="http://schemas.openxmlformats.org/presentationml/2006/ole">
             <mc:AlternateContent xmlns:mc="http://schemas.openxmlformats.org/markup-compatibility/2006">
               <mc:Choice xmlns:v="urn:schemas-microsoft-com:vml" Requires="v">
-                <p:oleObj spid="_x0000_s2059" name="Document" r:id="rId3" imgW="8864600" imgH="2108200" progId="Word.Document.12">
+                <p:oleObj name="Document" r:id="rId2" imgW="8864600" imgH="2108200" progId="Word.Document.12">
                   <p:embed/>
                 </p:oleObj>
               </mc:Choice>
               <mc:Fallback>
-                <p:oleObj name="Document" r:id="rId3" imgW="8864600" imgH="2108200" progId="Word.Document.12">
+                <p:oleObj name="Document" r:id="rId2" imgW="8864600" imgH="2108200" progId="Word.Document.12">
                   <p:embed/>
                   <p:pic>
                     <p:nvPicPr>
@@ -3488,7 +3488,7 @@
                       <p:nvPr/>
                     </p:nvPicPr>
                     <p:blipFill>
-                      <a:blip r:embed="rId4"/>
+                      <a:blip r:embed="rId3"/>
                       <a:stretch>
                         <a:fillRect/>
                       </a:stretch>
@@ -3567,12 +3567,12 @@
           <a:graphicData uri="http://schemas.openxmlformats.org/presentationml/2006/ole">
             <mc:AlternateContent xmlns:mc="http://schemas.openxmlformats.org/markup-compatibility/2006">
               <mc:Choice xmlns:v="urn:schemas-microsoft-com:vml" Requires="v">
-                <p:oleObj spid="_x0000_s4107" name="Document" r:id="rId3" imgW="8864600" imgH="2451100" progId="Word.Document.12">
+                <p:oleObj name="Document" r:id="rId2" imgW="8864600" imgH="2451100" progId="Word.Document.12">
                   <p:embed/>
                 </p:oleObj>
               </mc:Choice>
               <mc:Fallback>
-                <p:oleObj name="Document" r:id="rId3" imgW="8864600" imgH="2451100" progId="Word.Document.12">
+                <p:oleObj name="Document" r:id="rId2" imgW="8864600" imgH="2451100" progId="Word.Document.12">
                   <p:embed/>
                   <p:pic>
                     <p:nvPicPr>
@@ -3581,7 +3581,7 @@
                       <p:nvPr/>
                     </p:nvPicPr>
                     <p:blipFill>
-                      <a:blip r:embed="rId4"/>
+                      <a:blip r:embed="rId3"/>
                       <a:stretch>
                         <a:fillRect/>
                       </a:stretch>
@@ -3660,12 +3660,12 @@
           <a:graphicData uri="http://schemas.openxmlformats.org/presentationml/2006/ole">
             <mc:AlternateContent xmlns:mc="http://schemas.openxmlformats.org/markup-compatibility/2006">
               <mc:Choice xmlns:v="urn:schemas-microsoft-com:vml" Requires="v">
-                <p:oleObj spid="_x0000_s6155" name="Document" r:id="rId3" imgW="8864600" imgH="2654300" progId="Word.Document.12">
+                <p:oleObj name="Document" r:id="rId2" imgW="8864600" imgH="2654300" progId="Word.Document.12">
                   <p:embed/>
                 </p:oleObj>
               </mc:Choice>
               <mc:Fallback>
-                <p:oleObj name="Document" r:id="rId3" imgW="8864600" imgH="2654300" progId="Word.Document.12">
+                <p:oleObj name="Document" r:id="rId2" imgW="8864600" imgH="2654300" progId="Word.Document.12">
                   <p:embed/>
                   <p:pic>
                     <p:nvPicPr>
@@ -3674,7 +3674,7 @@
                       <p:nvPr/>
                     </p:nvPicPr>
                     <p:blipFill>
-                      <a:blip r:embed="rId4"/>
+                      <a:blip r:embed="rId3"/>
                       <a:stretch>
                         <a:fillRect/>
                       </a:stretch>
@@ -3740,25 +3740,25 @@
           <p:nvPr>
             <p:extLst>
               <p:ext uri="{D42A27DB-BD31-4B8C-83A1-F6EECF244321}">
-                <p14:modId xmlns:p14="http://schemas.microsoft.com/office/powerpoint/2010/main" val="2875103407"/>
+                <p14:modId xmlns:p14="http://schemas.microsoft.com/office/powerpoint/2010/main" val="2075245640"/>
               </p:ext>
             </p:extLst>
           </p:nvPr>
         </p:nvGraphicFramePr>
         <p:xfrm>
-          <a:off x="1663700" y="1847850"/>
-          <a:ext cx="8864600" cy="3162300"/>
+          <a:off x="1663700" y="1657350"/>
+          <a:ext cx="8864600" cy="3543300"/>
         </p:xfrm>
         <a:graphic>
           <a:graphicData uri="http://schemas.openxmlformats.org/presentationml/2006/ole">
             <mc:AlternateContent xmlns:mc="http://schemas.openxmlformats.org/markup-compatibility/2006">
               <mc:Choice xmlns:v="urn:schemas-microsoft-com:vml" Requires="v">
-                <p:oleObj spid="_x0000_s8198" name="Document" r:id="rId3" imgW="8864600" imgH="3162300" progId="Word.Document.12">
+                <p:oleObj name="Document" r:id="rId2" imgW="8864600" imgH="3543300" progId="Word.Document.12">
                   <p:embed/>
                 </p:oleObj>
               </mc:Choice>
               <mc:Fallback>
-                <p:oleObj name="Document" r:id="rId3" imgW="8864600" imgH="3162300" progId="Word.Document.12">
+                <p:oleObj name="Document" r:id="rId2" imgW="8864600" imgH="3543300" progId="Word.Document.12">
                   <p:embed/>
                   <p:pic>
                     <p:nvPicPr>
@@ -3773,15 +3773,15 @@
                       <p:nvPr/>
                     </p:nvPicPr>
                     <p:blipFill>
-                      <a:blip r:embed="rId4"/>
+                      <a:blip r:embed="rId3"/>
                       <a:stretch>
                         <a:fillRect/>
                       </a:stretch>
                     </p:blipFill>
                     <p:spPr>
                       <a:xfrm>
-                        <a:off x="1663700" y="1847850"/>
-                        <a:ext cx="8864600" cy="3162300"/>
+                        <a:off x="1663700" y="1657350"/>
+                        <a:ext cx="8864600" cy="3543300"/>
                       </a:xfrm>
                       <a:prstGeom prst="rect">
                         <a:avLst/>
@@ -3852,12 +3852,12 @@
           <a:graphicData uri="http://schemas.openxmlformats.org/presentationml/2006/ole">
             <mc:AlternateContent xmlns:mc="http://schemas.openxmlformats.org/markup-compatibility/2006">
               <mc:Choice xmlns:v="urn:schemas-microsoft-com:vml" Requires="v">
-                <p:oleObj spid="_x0000_s7176" name="Document" r:id="rId3" imgW="8864600" imgH="2844800" progId="Word.Document.12">
+                <p:oleObj name="Document" r:id="rId2" imgW="8864600" imgH="2844800" progId="Word.Document.12">
                   <p:embed/>
                 </p:oleObj>
               </mc:Choice>
               <mc:Fallback>
-                <p:oleObj name="Document" r:id="rId3" imgW="8864600" imgH="2844800" progId="Word.Document.12">
+                <p:oleObj name="Document" r:id="rId2" imgW="8864600" imgH="2844800" progId="Word.Document.12">
                   <p:embed/>
                   <p:pic>
                     <p:nvPicPr>
@@ -3872,7 +3872,7 @@
                       <p:nvPr/>
                     </p:nvPicPr>
                     <p:blipFill>
-                      <a:blip r:embed="rId4"/>
+                      <a:blip r:embed="rId3"/>
                       <a:stretch>
                         <a:fillRect/>
                       </a:stretch>
@@ -3951,12 +3951,12 @@
           <a:graphicData uri="http://schemas.openxmlformats.org/presentationml/2006/ole">
             <mc:AlternateContent xmlns:mc="http://schemas.openxmlformats.org/markup-compatibility/2006">
               <mc:Choice xmlns:v="urn:schemas-microsoft-com:vml" Requires="v">
-                <p:oleObj spid="_x0000_s10242" name="Document" r:id="rId3" imgW="8864600" imgH="1778000" progId="Word.Document.12">
+                <p:oleObj name="Document" r:id="rId2" imgW="8864600" imgH="1778000" progId="Word.Document.12">
                   <p:embed/>
                 </p:oleObj>
               </mc:Choice>
               <mc:Fallback>
-                <p:oleObj name="Document" r:id="rId3" imgW="8864600" imgH="1778000" progId="Word.Document.12">
+                <p:oleObj name="Document" r:id="rId2" imgW="8864600" imgH="1778000" progId="Word.Document.12">
                   <p:embed/>
                   <p:pic>
                     <p:nvPicPr>
@@ -3971,7 +3971,7 @@
                       <p:nvPr/>
                     </p:nvPicPr>
                     <p:blipFill>
-                      <a:blip r:embed="rId4"/>
+                      <a:blip r:embed="rId3"/>
                       <a:stretch>
                         <a:fillRect/>
                       </a:stretch>
